--- a/examples/test.pptx
+++ b/examples/test.pptx
@@ -2968,6 +2968,13 @@
             </a:r>
             <a:endParaRPr lang="en-US" altLang="zh-CN"/>
           </a:p>
+          <a:p>
+            <a:r>
+              <a:rPr lang="en-US" altLang="zh-CN"/>
+              <a:t>hhhhhhhhhhhhh</a:t>
+            </a:r>
+            <a:endParaRPr lang="en-US" altLang="zh-CN"/>
+          </a:p>
         </p:txBody>
       </p:sp>
     </p:spTree>
